--- a/Semana14/Presentación1.pptx
+++ b/Semana14/Presentación1.pptx
@@ -6,6 +6,8 @@
   </p:sldMasterIdLst>
   <p:sldIdLst>
     <p:sldId id="256" r:id="rId2"/>
+    <p:sldId id="257" r:id="rId3"/>
+    <p:sldId id="258" r:id="rId4"/>
   </p:sldIdLst>
   <p:sldSz cx="12192000" cy="6858000"/>
   <p:notesSz cx="6858000" cy="9144000"/>
@@ -104,6 +106,11 @@
       </a:defRPr>
     </a:lvl9pPr>
   </p:defaultTextStyle>
+  <p:extLst>
+    <p:ext uri="{EFAFB233-063F-42B5-8137-9DF3F51BA10A}">
+      <p15:sldGuideLst xmlns:p15="http://schemas.microsoft.com/office/powerpoint/2012/main"/>
+    </p:ext>
+  </p:extLst>
 </p:presentation>
 </file>
 
@@ -256,7 +263,7 @@
           <a:p>
             <a:fld id="{A52B11EA-B695-46DC-8AB8-C2C730A405BE}" type="datetimeFigureOut">
               <a:rPr lang="es-PE" smtClean="0"/>
-              <a:t>11/02/2021</a:t>
+              <a:t>12/02/2021</a:t>
             </a:fld>
             <a:endParaRPr lang="es-PE"/>
           </a:p>
@@ -456,7 +463,7 @@
           <a:p>
             <a:fld id="{A52B11EA-B695-46DC-8AB8-C2C730A405BE}" type="datetimeFigureOut">
               <a:rPr lang="es-PE" smtClean="0"/>
-              <a:t>11/02/2021</a:t>
+              <a:t>12/02/2021</a:t>
             </a:fld>
             <a:endParaRPr lang="es-PE"/>
           </a:p>
@@ -666,7 +673,7 @@
           <a:p>
             <a:fld id="{A52B11EA-B695-46DC-8AB8-C2C730A405BE}" type="datetimeFigureOut">
               <a:rPr lang="es-PE" smtClean="0"/>
-              <a:t>11/02/2021</a:t>
+              <a:t>12/02/2021</a:t>
             </a:fld>
             <a:endParaRPr lang="es-PE"/>
           </a:p>
@@ -866,7 +873,7 @@
           <a:p>
             <a:fld id="{A52B11EA-B695-46DC-8AB8-C2C730A405BE}" type="datetimeFigureOut">
               <a:rPr lang="es-PE" smtClean="0"/>
-              <a:t>11/02/2021</a:t>
+              <a:t>12/02/2021</a:t>
             </a:fld>
             <a:endParaRPr lang="es-PE"/>
           </a:p>
@@ -1142,7 +1149,7 @@
           <a:p>
             <a:fld id="{A52B11EA-B695-46DC-8AB8-C2C730A405BE}" type="datetimeFigureOut">
               <a:rPr lang="es-PE" smtClean="0"/>
-              <a:t>11/02/2021</a:t>
+              <a:t>12/02/2021</a:t>
             </a:fld>
             <a:endParaRPr lang="es-PE"/>
           </a:p>
@@ -1410,7 +1417,7 @@
           <a:p>
             <a:fld id="{A52B11EA-B695-46DC-8AB8-C2C730A405BE}" type="datetimeFigureOut">
               <a:rPr lang="es-PE" smtClean="0"/>
-              <a:t>11/02/2021</a:t>
+              <a:t>12/02/2021</a:t>
             </a:fld>
             <a:endParaRPr lang="es-PE"/>
           </a:p>
@@ -1825,7 +1832,7 @@
           <a:p>
             <a:fld id="{A52B11EA-B695-46DC-8AB8-C2C730A405BE}" type="datetimeFigureOut">
               <a:rPr lang="es-PE" smtClean="0"/>
-              <a:t>11/02/2021</a:t>
+              <a:t>12/02/2021</a:t>
             </a:fld>
             <a:endParaRPr lang="es-PE"/>
           </a:p>
@@ -1967,7 +1974,7 @@
           <a:p>
             <a:fld id="{A52B11EA-B695-46DC-8AB8-C2C730A405BE}" type="datetimeFigureOut">
               <a:rPr lang="es-PE" smtClean="0"/>
-              <a:t>11/02/2021</a:t>
+              <a:t>12/02/2021</a:t>
             </a:fld>
             <a:endParaRPr lang="es-PE"/>
           </a:p>
@@ -2080,7 +2087,7 @@
           <a:p>
             <a:fld id="{A52B11EA-B695-46DC-8AB8-C2C730A405BE}" type="datetimeFigureOut">
               <a:rPr lang="es-PE" smtClean="0"/>
-              <a:t>11/02/2021</a:t>
+              <a:t>12/02/2021</a:t>
             </a:fld>
             <a:endParaRPr lang="es-PE"/>
           </a:p>
@@ -2393,7 +2400,7 @@
           <a:p>
             <a:fld id="{A52B11EA-B695-46DC-8AB8-C2C730A405BE}" type="datetimeFigureOut">
               <a:rPr lang="es-PE" smtClean="0"/>
-              <a:t>11/02/2021</a:t>
+              <a:t>12/02/2021</a:t>
             </a:fld>
             <a:endParaRPr lang="es-PE"/>
           </a:p>
@@ -2682,7 +2689,7 @@
           <a:p>
             <a:fld id="{A52B11EA-B695-46DC-8AB8-C2C730A405BE}" type="datetimeFigureOut">
               <a:rPr lang="es-PE" smtClean="0"/>
-              <a:t>11/02/2021</a:t>
+              <a:t>12/02/2021</a:t>
             </a:fld>
             <a:endParaRPr lang="es-PE"/>
           </a:p>
@@ -2925,7 +2932,7 @@
           <a:p>
             <a:fld id="{A52B11EA-B695-46DC-8AB8-C2C730A405BE}" type="datetimeFigureOut">
               <a:rPr lang="es-PE" smtClean="0"/>
-              <a:t>11/02/2021</a:t>
+              <a:t>12/02/2021</a:t>
             </a:fld>
             <a:endParaRPr lang="es-PE"/>
           </a:p>
@@ -4438,6 +4445,2063 @@
 </p:sld>
 </file>
 
+<file path=ppt/slides/slide2.xml><?xml version="1.0" encoding="utf-8"?>
+<p:sld xmlns:a="http://schemas.openxmlformats.org/drawingml/2006/main" xmlns:r="http://schemas.openxmlformats.org/officeDocument/2006/relationships" xmlns:p="http://schemas.openxmlformats.org/presentationml/2006/main">
+  <p:cSld>
+    <p:spTree>
+      <p:nvGrpSpPr>
+        <p:cNvPr id="1" name=""/>
+        <p:cNvGrpSpPr/>
+        <p:nvPr/>
+      </p:nvGrpSpPr>
+      <p:grpSpPr>
+        <a:xfrm>
+          <a:off x="0" y="0"/>
+          <a:ext cx="0" cy="0"/>
+          <a:chOff x="0" y="0"/>
+          <a:chExt cx="0" cy="0"/>
+        </a:xfrm>
+      </p:grpSpPr>
+      <p:sp>
+        <p:nvSpPr>
+          <p:cNvPr id="4" name="CuadroTexto 3">
+            <a:extLst>
+              <a:ext uri="{FF2B5EF4-FFF2-40B4-BE49-F238E27FC236}">
+                <a16:creationId xmlns:a16="http://schemas.microsoft.com/office/drawing/2014/main" id="{80FE7F3C-B271-4B47-8499-9A19E50B5522}"/>
+              </a:ext>
+            </a:extLst>
+          </p:cNvPr>
+          <p:cNvSpPr txBox="1"/>
+          <p:nvPr/>
+        </p:nvSpPr>
+        <p:spPr>
+          <a:xfrm>
+            <a:off x="1595079" y="106184"/>
+            <a:ext cx="3107133" cy="400110"/>
+          </a:xfrm>
+          <a:prstGeom prst="rect">
+            <a:avLst/>
+          </a:prstGeom>
+          <a:noFill/>
+        </p:spPr>
+        <p:txBody>
+          <a:bodyPr wrap="none" rtlCol="0">
+            <a:spAutoFit/>
+          </a:bodyPr>
+          <a:lstStyle/>
+          <a:p>
+            <a:r>
+              <a:rPr lang="es-MX" sz="2000" b="1" dirty="0">
+                <a:solidFill>
+                  <a:schemeClr val="tx2"/>
+                </a:solidFill>
+                <a:latin typeface="Arial" panose="020B0604020202020204" pitchFamily="34" charset="0"/>
+                <a:cs typeface="Arial" panose="020B0604020202020204" pitchFamily="34" charset="0"/>
+              </a:rPr>
+              <a:t>CREACION DE CUENTA</a:t>
+            </a:r>
+            <a:endParaRPr lang="es-PE" sz="2000" b="1" dirty="0">
+              <a:solidFill>
+                <a:schemeClr val="tx2"/>
+              </a:solidFill>
+              <a:latin typeface="Arial" panose="020B0604020202020204" pitchFamily="34" charset="0"/>
+              <a:cs typeface="Arial" panose="020B0604020202020204" pitchFamily="34" charset="0"/>
+            </a:endParaRPr>
+          </a:p>
+        </p:txBody>
+      </p:sp>
+      <p:cxnSp>
+        <p:nvCxnSpPr>
+          <p:cNvPr id="6" name="Conector recto 5">
+            <a:extLst>
+              <a:ext uri="{FF2B5EF4-FFF2-40B4-BE49-F238E27FC236}">
+                <a16:creationId xmlns:a16="http://schemas.microsoft.com/office/drawing/2014/main" id="{5207D942-5CF1-4886-AF45-CD0D614E4D1F}"/>
+              </a:ext>
+            </a:extLst>
+          </p:cNvPr>
+          <p:cNvCxnSpPr/>
+          <p:nvPr/>
+        </p:nvCxnSpPr>
+        <p:spPr>
+          <a:xfrm>
+            <a:off x="120771" y="621108"/>
+            <a:ext cx="11938958" cy="0"/>
+          </a:xfrm>
+          <a:prstGeom prst="line">
+            <a:avLst/>
+          </a:prstGeom>
+        </p:spPr>
+        <p:style>
+          <a:lnRef idx="1">
+            <a:schemeClr val="accent1"/>
+          </a:lnRef>
+          <a:fillRef idx="0">
+            <a:schemeClr val="accent1"/>
+          </a:fillRef>
+          <a:effectRef idx="0">
+            <a:schemeClr val="accent1"/>
+          </a:effectRef>
+          <a:fontRef idx="minor">
+            <a:schemeClr val="tx1"/>
+          </a:fontRef>
+        </p:style>
+      </p:cxnSp>
+      <p:cxnSp>
+        <p:nvCxnSpPr>
+          <p:cNvPr id="7" name="Conector recto 6">
+            <a:extLst>
+              <a:ext uri="{FF2B5EF4-FFF2-40B4-BE49-F238E27FC236}">
+                <a16:creationId xmlns:a16="http://schemas.microsoft.com/office/drawing/2014/main" id="{2F1A3AE1-A574-4A3C-A1C2-58562322CC71}"/>
+              </a:ext>
+            </a:extLst>
+          </p:cNvPr>
+          <p:cNvCxnSpPr/>
+          <p:nvPr/>
+        </p:nvCxnSpPr>
+        <p:spPr>
+          <a:xfrm>
+            <a:off x="120771" y="3583470"/>
+            <a:ext cx="11938958" cy="0"/>
+          </a:xfrm>
+          <a:prstGeom prst="line">
+            <a:avLst/>
+          </a:prstGeom>
+        </p:spPr>
+        <p:style>
+          <a:lnRef idx="1">
+            <a:schemeClr val="accent1"/>
+          </a:lnRef>
+          <a:fillRef idx="0">
+            <a:schemeClr val="accent1"/>
+          </a:fillRef>
+          <a:effectRef idx="0">
+            <a:schemeClr val="accent1"/>
+          </a:effectRef>
+          <a:fontRef idx="minor">
+            <a:schemeClr val="tx1"/>
+          </a:fontRef>
+        </p:style>
+      </p:cxnSp>
+      <p:sp>
+        <p:nvSpPr>
+          <p:cNvPr id="8" name="CuadroTexto 7">
+            <a:extLst>
+              <a:ext uri="{FF2B5EF4-FFF2-40B4-BE49-F238E27FC236}">
+                <a16:creationId xmlns:a16="http://schemas.microsoft.com/office/drawing/2014/main" id="{072667B5-0610-499A-9042-CA3E51783042}"/>
+              </a:ext>
+            </a:extLst>
+          </p:cNvPr>
+          <p:cNvSpPr txBox="1"/>
+          <p:nvPr/>
+        </p:nvSpPr>
+        <p:spPr>
+          <a:xfrm>
+            <a:off x="1713777" y="787137"/>
+            <a:ext cx="848181" cy="369332"/>
+          </a:xfrm>
+          <a:prstGeom prst="rect">
+            <a:avLst/>
+          </a:prstGeom>
+          <a:noFill/>
+        </p:spPr>
+        <p:txBody>
+          <a:bodyPr wrap="none" rtlCol="0">
+            <a:spAutoFit/>
+          </a:bodyPr>
+          <a:lstStyle/>
+          <a:p>
+            <a:r>
+              <a:rPr lang="es-MX" b="1" dirty="0"/>
+              <a:t>Cliente</a:t>
+            </a:r>
+            <a:endParaRPr lang="es-PE" b="1" dirty="0"/>
+          </a:p>
+        </p:txBody>
+      </p:sp>
+      <p:sp>
+        <p:nvSpPr>
+          <p:cNvPr id="9" name="Rectángulo 8">
+            <a:extLst>
+              <a:ext uri="{FF2B5EF4-FFF2-40B4-BE49-F238E27FC236}">
+                <a16:creationId xmlns:a16="http://schemas.microsoft.com/office/drawing/2014/main" id="{40D486AB-ED2B-4817-97C5-7CB72D3E224E}"/>
+              </a:ext>
+            </a:extLst>
+          </p:cNvPr>
+          <p:cNvSpPr/>
+          <p:nvPr/>
+        </p:nvSpPr>
+        <p:spPr>
+          <a:xfrm>
+            <a:off x="3148647" y="766735"/>
+            <a:ext cx="7001778" cy="410136"/>
+          </a:xfrm>
+          <a:prstGeom prst="rect">
+            <a:avLst/>
+          </a:prstGeom>
+          <a:solidFill>
+            <a:schemeClr val="bg1">
+              <a:lumMod val="95000"/>
+            </a:schemeClr>
+          </a:solidFill>
+          <a:ln w="19050">
+            <a:solidFill>
+              <a:schemeClr val="tx2"/>
+            </a:solidFill>
+          </a:ln>
+        </p:spPr>
+        <p:style>
+          <a:lnRef idx="1">
+            <a:schemeClr val="accent3"/>
+          </a:lnRef>
+          <a:fillRef idx="2">
+            <a:schemeClr val="accent3"/>
+          </a:fillRef>
+          <a:effectRef idx="1">
+            <a:schemeClr val="accent3"/>
+          </a:effectRef>
+          <a:fontRef idx="minor">
+            <a:schemeClr val="dk1"/>
+          </a:fontRef>
+        </p:style>
+        <p:txBody>
+          <a:bodyPr rtlCol="0" anchor="ctr"/>
+          <a:lstStyle/>
+          <a:p>
+            <a:pPr algn="ctr"/>
+            <a:endParaRPr lang="es-PE" dirty="0"/>
+          </a:p>
+        </p:txBody>
+      </p:sp>
+      <p:sp>
+        <p:nvSpPr>
+          <p:cNvPr id="10" name="Rectángulo: esquinas redondeadas 9">
+            <a:extLst>
+              <a:ext uri="{FF2B5EF4-FFF2-40B4-BE49-F238E27FC236}">
+                <a16:creationId xmlns:a16="http://schemas.microsoft.com/office/drawing/2014/main" id="{ADC282BA-264A-45B0-AA32-3BDDB66EFEAB}"/>
+              </a:ext>
+            </a:extLst>
+          </p:cNvPr>
+          <p:cNvSpPr/>
+          <p:nvPr/>
+        </p:nvSpPr>
+        <p:spPr>
+          <a:xfrm>
+            <a:off x="3148646" y="3752191"/>
+            <a:ext cx="1975445" cy="572930"/>
+          </a:xfrm>
+          <a:prstGeom prst="roundRect">
+            <a:avLst/>
+          </a:prstGeom>
+        </p:spPr>
+        <p:style>
+          <a:lnRef idx="2">
+            <a:schemeClr val="accent1">
+              <a:shade val="50000"/>
+            </a:schemeClr>
+          </a:lnRef>
+          <a:fillRef idx="1">
+            <a:schemeClr val="accent1"/>
+          </a:fillRef>
+          <a:effectRef idx="0">
+            <a:schemeClr val="accent1"/>
+          </a:effectRef>
+          <a:fontRef idx="minor">
+            <a:schemeClr val="lt1"/>
+          </a:fontRef>
+        </p:style>
+        <p:txBody>
+          <a:bodyPr rtlCol="0" anchor="ctr"/>
+          <a:lstStyle/>
+          <a:p>
+            <a:pPr algn="ctr"/>
+            <a:r>
+              <a:rPr lang="es-MX" dirty="0"/>
+              <a:t>Procesar</a:t>
+            </a:r>
+            <a:endParaRPr lang="es-PE" dirty="0"/>
+          </a:p>
+        </p:txBody>
+      </p:sp>
+      <p:sp>
+        <p:nvSpPr>
+          <p:cNvPr id="13" name="Rectángulo 12">
+            <a:extLst>
+              <a:ext uri="{FF2B5EF4-FFF2-40B4-BE49-F238E27FC236}">
+                <a16:creationId xmlns:a16="http://schemas.microsoft.com/office/drawing/2014/main" id="{BE387767-E278-4F5B-A144-3AAE15A96FFA}"/>
+              </a:ext>
+            </a:extLst>
+          </p:cNvPr>
+          <p:cNvSpPr/>
+          <p:nvPr/>
+        </p:nvSpPr>
+        <p:spPr>
+          <a:xfrm>
+            <a:off x="10153384" y="766735"/>
+            <a:ext cx="526124" cy="410136"/>
+          </a:xfrm>
+          <a:prstGeom prst="rect">
+            <a:avLst/>
+          </a:prstGeom>
+          <a:solidFill>
+            <a:schemeClr val="bg1">
+              <a:lumMod val="95000"/>
+            </a:schemeClr>
+          </a:solidFill>
+          <a:ln w="19050">
+            <a:solidFill>
+              <a:schemeClr val="tx2"/>
+            </a:solidFill>
+          </a:ln>
+        </p:spPr>
+        <p:style>
+          <a:lnRef idx="1">
+            <a:schemeClr val="accent3"/>
+          </a:lnRef>
+          <a:fillRef idx="2">
+            <a:schemeClr val="accent3"/>
+          </a:fillRef>
+          <a:effectRef idx="1">
+            <a:schemeClr val="accent3"/>
+          </a:effectRef>
+          <a:fontRef idx="minor">
+            <a:schemeClr val="dk1"/>
+          </a:fontRef>
+        </p:style>
+        <p:txBody>
+          <a:bodyPr rtlCol="0" anchor="ctr"/>
+          <a:lstStyle/>
+          <a:p>
+            <a:pPr algn="ctr"/>
+            <a:endParaRPr lang="es-PE" dirty="0"/>
+          </a:p>
+        </p:txBody>
+      </p:sp>
+      <p:sp>
+        <p:nvSpPr>
+          <p:cNvPr id="3" name="Flecha: hacia abajo 2">
+            <a:extLst>
+              <a:ext uri="{FF2B5EF4-FFF2-40B4-BE49-F238E27FC236}">
+                <a16:creationId xmlns:a16="http://schemas.microsoft.com/office/drawing/2014/main" id="{1076C41F-945B-4491-BC84-D499C113D6DE}"/>
+              </a:ext>
+            </a:extLst>
+          </p:cNvPr>
+          <p:cNvSpPr/>
+          <p:nvPr/>
+        </p:nvSpPr>
+        <p:spPr>
+          <a:xfrm>
+            <a:off x="10242524" y="814570"/>
+            <a:ext cx="388189" cy="319171"/>
+          </a:xfrm>
+          <a:prstGeom prst="downArrow">
+            <a:avLst/>
+          </a:prstGeom>
+        </p:spPr>
+        <p:style>
+          <a:lnRef idx="2">
+            <a:schemeClr val="accent1">
+              <a:shade val="50000"/>
+            </a:schemeClr>
+          </a:lnRef>
+          <a:fillRef idx="1">
+            <a:schemeClr val="accent1"/>
+          </a:fillRef>
+          <a:effectRef idx="0">
+            <a:schemeClr val="accent1"/>
+          </a:effectRef>
+          <a:fontRef idx="minor">
+            <a:schemeClr val="lt1"/>
+          </a:fontRef>
+        </p:style>
+        <p:txBody>
+          <a:bodyPr rtlCol="0" anchor="ctr"/>
+          <a:lstStyle/>
+          <a:p>
+            <a:pPr algn="ctr"/>
+            <a:endParaRPr lang="es-PE"/>
+          </a:p>
+        </p:txBody>
+      </p:sp>
+      <p:sp>
+        <p:nvSpPr>
+          <p:cNvPr id="14" name="CuadroTexto 13">
+            <a:extLst>
+              <a:ext uri="{FF2B5EF4-FFF2-40B4-BE49-F238E27FC236}">
+                <a16:creationId xmlns:a16="http://schemas.microsoft.com/office/drawing/2014/main" id="{60898A0B-DD2F-4E15-9578-75D999322A3B}"/>
+              </a:ext>
+            </a:extLst>
+          </p:cNvPr>
+          <p:cNvSpPr txBox="1"/>
+          <p:nvPr/>
+        </p:nvSpPr>
+        <p:spPr>
+          <a:xfrm>
+            <a:off x="1713777" y="1271283"/>
+            <a:ext cx="986167" cy="369332"/>
+          </a:xfrm>
+          <a:prstGeom prst="rect">
+            <a:avLst/>
+          </a:prstGeom>
+          <a:noFill/>
+        </p:spPr>
+        <p:txBody>
+          <a:bodyPr wrap="none" rtlCol="0">
+            <a:spAutoFit/>
+          </a:bodyPr>
+          <a:lstStyle/>
+          <a:p>
+            <a:r>
+              <a:rPr lang="es-MX" b="1" dirty="0"/>
+              <a:t>Moneda</a:t>
+            </a:r>
+            <a:endParaRPr lang="es-PE" b="1" dirty="0"/>
+          </a:p>
+        </p:txBody>
+      </p:sp>
+      <p:sp>
+        <p:nvSpPr>
+          <p:cNvPr id="15" name="Rectángulo 14">
+            <a:extLst>
+              <a:ext uri="{FF2B5EF4-FFF2-40B4-BE49-F238E27FC236}">
+                <a16:creationId xmlns:a16="http://schemas.microsoft.com/office/drawing/2014/main" id="{54AE02BB-7695-4235-8B8C-1FDD596033CB}"/>
+              </a:ext>
+            </a:extLst>
+          </p:cNvPr>
+          <p:cNvSpPr/>
+          <p:nvPr/>
+        </p:nvSpPr>
+        <p:spPr>
+          <a:xfrm>
+            <a:off x="3148647" y="1250881"/>
+            <a:ext cx="7001778" cy="410136"/>
+          </a:xfrm>
+          <a:prstGeom prst="rect">
+            <a:avLst/>
+          </a:prstGeom>
+          <a:solidFill>
+            <a:schemeClr val="bg1">
+              <a:lumMod val="95000"/>
+            </a:schemeClr>
+          </a:solidFill>
+          <a:ln w="19050">
+            <a:solidFill>
+              <a:schemeClr val="tx2"/>
+            </a:solidFill>
+          </a:ln>
+        </p:spPr>
+        <p:style>
+          <a:lnRef idx="1">
+            <a:schemeClr val="accent3"/>
+          </a:lnRef>
+          <a:fillRef idx="2">
+            <a:schemeClr val="accent3"/>
+          </a:fillRef>
+          <a:effectRef idx="1">
+            <a:schemeClr val="accent3"/>
+          </a:effectRef>
+          <a:fontRef idx="minor">
+            <a:schemeClr val="dk1"/>
+          </a:fontRef>
+        </p:style>
+        <p:txBody>
+          <a:bodyPr rtlCol="0" anchor="ctr"/>
+          <a:lstStyle/>
+          <a:p>
+            <a:pPr algn="ctr"/>
+            <a:endParaRPr lang="es-PE" dirty="0"/>
+          </a:p>
+        </p:txBody>
+      </p:sp>
+      <p:sp>
+        <p:nvSpPr>
+          <p:cNvPr id="16" name="Rectángulo 15">
+            <a:extLst>
+              <a:ext uri="{FF2B5EF4-FFF2-40B4-BE49-F238E27FC236}">
+                <a16:creationId xmlns:a16="http://schemas.microsoft.com/office/drawing/2014/main" id="{FBC383EA-63F3-4D47-AC18-E441464F3A49}"/>
+              </a:ext>
+            </a:extLst>
+          </p:cNvPr>
+          <p:cNvSpPr/>
+          <p:nvPr/>
+        </p:nvSpPr>
+        <p:spPr>
+          <a:xfrm>
+            <a:off x="10153384" y="1250881"/>
+            <a:ext cx="526124" cy="410136"/>
+          </a:xfrm>
+          <a:prstGeom prst="rect">
+            <a:avLst/>
+          </a:prstGeom>
+          <a:solidFill>
+            <a:schemeClr val="bg1">
+              <a:lumMod val="95000"/>
+            </a:schemeClr>
+          </a:solidFill>
+          <a:ln w="19050">
+            <a:solidFill>
+              <a:schemeClr val="tx2"/>
+            </a:solidFill>
+          </a:ln>
+        </p:spPr>
+        <p:style>
+          <a:lnRef idx="1">
+            <a:schemeClr val="accent3"/>
+          </a:lnRef>
+          <a:fillRef idx="2">
+            <a:schemeClr val="accent3"/>
+          </a:fillRef>
+          <a:effectRef idx="1">
+            <a:schemeClr val="accent3"/>
+          </a:effectRef>
+          <a:fontRef idx="minor">
+            <a:schemeClr val="dk1"/>
+          </a:fontRef>
+        </p:style>
+        <p:txBody>
+          <a:bodyPr rtlCol="0" anchor="ctr"/>
+          <a:lstStyle/>
+          <a:p>
+            <a:pPr algn="ctr"/>
+            <a:endParaRPr lang="es-PE" dirty="0"/>
+          </a:p>
+        </p:txBody>
+      </p:sp>
+      <p:sp>
+        <p:nvSpPr>
+          <p:cNvPr id="17" name="Flecha: hacia abajo 16">
+            <a:extLst>
+              <a:ext uri="{FF2B5EF4-FFF2-40B4-BE49-F238E27FC236}">
+                <a16:creationId xmlns:a16="http://schemas.microsoft.com/office/drawing/2014/main" id="{2A72539C-65F0-4357-BD38-21275E4A03AB}"/>
+              </a:ext>
+            </a:extLst>
+          </p:cNvPr>
+          <p:cNvSpPr/>
+          <p:nvPr/>
+        </p:nvSpPr>
+        <p:spPr>
+          <a:xfrm>
+            <a:off x="10242524" y="1298716"/>
+            <a:ext cx="388189" cy="319171"/>
+          </a:xfrm>
+          <a:prstGeom prst="downArrow">
+            <a:avLst/>
+          </a:prstGeom>
+        </p:spPr>
+        <p:style>
+          <a:lnRef idx="2">
+            <a:schemeClr val="accent1">
+              <a:shade val="50000"/>
+            </a:schemeClr>
+          </a:lnRef>
+          <a:fillRef idx="1">
+            <a:schemeClr val="accent1"/>
+          </a:fillRef>
+          <a:effectRef idx="0">
+            <a:schemeClr val="accent1"/>
+          </a:effectRef>
+          <a:fontRef idx="minor">
+            <a:schemeClr val="lt1"/>
+          </a:fontRef>
+        </p:style>
+        <p:txBody>
+          <a:bodyPr rtlCol="0" anchor="ctr"/>
+          <a:lstStyle/>
+          <a:p>
+            <a:pPr algn="ctr"/>
+            <a:endParaRPr lang="es-PE"/>
+          </a:p>
+        </p:txBody>
+      </p:sp>
+      <p:sp>
+        <p:nvSpPr>
+          <p:cNvPr id="18" name="CuadroTexto 17">
+            <a:extLst>
+              <a:ext uri="{FF2B5EF4-FFF2-40B4-BE49-F238E27FC236}">
+                <a16:creationId xmlns:a16="http://schemas.microsoft.com/office/drawing/2014/main" id="{855324CE-C8C3-40FF-89A4-277CAC774D9F}"/>
+              </a:ext>
+            </a:extLst>
+          </p:cNvPr>
+          <p:cNvSpPr txBox="1"/>
+          <p:nvPr/>
+        </p:nvSpPr>
+        <p:spPr>
+          <a:xfrm>
+            <a:off x="1713777" y="1775831"/>
+            <a:ext cx="976934" cy="369332"/>
+          </a:xfrm>
+          <a:prstGeom prst="rect">
+            <a:avLst/>
+          </a:prstGeom>
+          <a:noFill/>
+        </p:spPr>
+        <p:txBody>
+          <a:bodyPr wrap="none" rtlCol="0">
+            <a:spAutoFit/>
+          </a:bodyPr>
+          <a:lstStyle/>
+          <a:p>
+            <a:r>
+              <a:rPr lang="es-MX" b="1" dirty="0"/>
+              <a:t>Sucursal</a:t>
+            </a:r>
+            <a:endParaRPr lang="es-PE" b="1" dirty="0"/>
+          </a:p>
+        </p:txBody>
+      </p:sp>
+      <p:sp>
+        <p:nvSpPr>
+          <p:cNvPr id="19" name="Rectángulo 18">
+            <a:extLst>
+              <a:ext uri="{FF2B5EF4-FFF2-40B4-BE49-F238E27FC236}">
+                <a16:creationId xmlns:a16="http://schemas.microsoft.com/office/drawing/2014/main" id="{7138ABB7-55DB-409B-87E2-97AF24C35902}"/>
+              </a:ext>
+            </a:extLst>
+          </p:cNvPr>
+          <p:cNvSpPr/>
+          <p:nvPr/>
+        </p:nvSpPr>
+        <p:spPr>
+          <a:xfrm>
+            <a:off x="3148647" y="1755429"/>
+            <a:ext cx="7001778" cy="410136"/>
+          </a:xfrm>
+          <a:prstGeom prst="rect">
+            <a:avLst/>
+          </a:prstGeom>
+          <a:solidFill>
+            <a:schemeClr val="bg1">
+              <a:lumMod val="95000"/>
+            </a:schemeClr>
+          </a:solidFill>
+          <a:ln w="19050">
+            <a:solidFill>
+              <a:schemeClr val="tx2"/>
+            </a:solidFill>
+          </a:ln>
+        </p:spPr>
+        <p:style>
+          <a:lnRef idx="1">
+            <a:schemeClr val="accent3"/>
+          </a:lnRef>
+          <a:fillRef idx="2">
+            <a:schemeClr val="accent3"/>
+          </a:fillRef>
+          <a:effectRef idx="1">
+            <a:schemeClr val="accent3"/>
+          </a:effectRef>
+          <a:fontRef idx="minor">
+            <a:schemeClr val="dk1"/>
+          </a:fontRef>
+        </p:style>
+        <p:txBody>
+          <a:bodyPr rtlCol="0" anchor="ctr"/>
+          <a:lstStyle/>
+          <a:p>
+            <a:pPr algn="ctr"/>
+            <a:endParaRPr lang="es-PE" dirty="0"/>
+          </a:p>
+        </p:txBody>
+      </p:sp>
+      <p:sp>
+        <p:nvSpPr>
+          <p:cNvPr id="20" name="Rectángulo 19">
+            <a:extLst>
+              <a:ext uri="{FF2B5EF4-FFF2-40B4-BE49-F238E27FC236}">
+                <a16:creationId xmlns:a16="http://schemas.microsoft.com/office/drawing/2014/main" id="{4D6EB766-C885-484F-977E-84352899E41F}"/>
+              </a:ext>
+            </a:extLst>
+          </p:cNvPr>
+          <p:cNvSpPr/>
+          <p:nvPr/>
+        </p:nvSpPr>
+        <p:spPr>
+          <a:xfrm>
+            <a:off x="10153384" y="1755429"/>
+            <a:ext cx="526124" cy="410136"/>
+          </a:xfrm>
+          <a:prstGeom prst="rect">
+            <a:avLst/>
+          </a:prstGeom>
+          <a:solidFill>
+            <a:schemeClr val="bg1">
+              <a:lumMod val="95000"/>
+            </a:schemeClr>
+          </a:solidFill>
+          <a:ln w="19050">
+            <a:solidFill>
+              <a:schemeClr val="tx2"/>
+            </a:solidFill>
+          </a:ln>
+        </p:spPr>
+        <p:style>
+          <a:lnRef idx="1">
+            <a:schemeClr val="accent3"/>
+          </a:lnRef>
+          <a:fillRef idx="2">
+            <a:schemeClr val="accent3"/>
+          </a:fillRef>
+          <a:effectRef idx="1">
+            <a:schemeClr val="accent3"/>
+          </a:effectRef>
+          <a:fontRef idx="minor">
+            <a:schemeClr val="dk1"/>
+          </a:fontRef>
+        </p:style>
+        <p:txBody>
+          <a:bodyPr rtlCol="0" anchor="ctr"/>
+          <a:lstStyle/>
+          <a:p>
+            <a:pPr algn="ctr"/>
+            <a:endParaRPr lang="es-PE" dirty="0"/>
+          </a:p>
+        </p:txBody>
+      </p:sp>
+      <p:sp>
+        <p:nvSpPr>
+          <p:cNvPr id="21" name="Flecha: hacia abajo 20">
+            <a:extLst>
+              <a:ext uri="{FF2B5EF4-FFF2-40B4-BE49-F238E27FC236}">
+                <a16:creationId xmlns:a16="http://schemas.microsoft.com/office/drawing/2014/main" id="{CA568B5D-0A9D-498D-8AE4-3F0BCA5E3903}"/>
+              </a:ext>
+            </a:extLst>
+          </p:cNvPr>
+          <p:cNvSpPr/>
+          <p:nvPr/>
+        </p:nvSpPr>
+        <p:spPr>
+          <a:xfrm>
+            <a:off x="10242524" y="1803264"/>
+            <a:ext cx="388189" cy="319171"/>
+          </a:xfrm>
+          <a:prstGeom prst="downArrow">
+            <a:avLst/>
+          </a:prstGeom>
+        </p:spPr>
+        <p:style>
+          <a:lnRef idx="2">
+            <a:schemeClr val="accent1">
+              <a:shade val="50000"/>
+            </a:schemeClr>
+          </a:lnRef>
+          <a:fillRef idx="1">
+            <a:schemeClr val="accent1"/>
+          </a:fillRef>
+          <a:effectRef idx="0">
+            <a:schemeClr val="accent1"/>
+          </a:effectRef>
+          <a:fontRef idx="minor">
+            <a:schemeClr val="lt1"/>
+          </a:fontRef>
+        </p:style>
+        <p:txBody>
+          <a:bodyPr rtlCol="0" anchor="ctr"/>
+          <a:lstStyle/>
+          <a:p>
+            <a:pPr algn="ctr"/>
+            <a:endParaRPr lang="es-PE"/>
+          </a:p>
+        </p:txBody>
+      </p:sp>
+      <p:sp>
+        <p:nvSpPr>
+          <p:cNvPr id="22" name="CuadroTexto 21">
+            <a:extLst>
+              <a:ext uri="{FF2B5EF4-FFF2-40B4-BE49-F238E27FC236}">
+                <a16:creationId xmlns:a16="http://schemas.microsoft.com/office/drawing/2014/main" id="{CF4A3030-35C0-4FAC-82B7-7F84744D8080}"/>
+              </a:ext>
+            </a:extLst>
+          </p:cNvPr>
+          <p:cNvSpPr txBox="1"/>
+          <p:nvPr/>
+        </p:nvSpPr>
+        <p:spPr>
+          <a:xfrm>
+            <a:off x="1713777" y="2288463"/>
+            <a:ext cx="954492" cy="369332"/>
+          </a:xfrm>
+          <a:prstGeom prst="rect">
+            <a:avLst/>
+          </a:prstGeom>
+          <a:noFill/>
+        </p:spPr>
+        <p:txBody>
+          <a:bodyPr wrap="none" rtlCol="0">
+            <a:spAutoFit/>
+          </a:bodyPr>
+          <a:lstStyle/>
+          <a:p>
+            <a:r>
+              <a:rPr lang="es-MX" b="1" dirty="0"/>
+              <a:t>Importe</a:t>
+            </a:r>
+            <a:endParaRPr lang="es-PE" b="1" dirty="0"/>
+          </a:p>
+        </p:txBody>
+      </p:sp>
+      <p:sp>
+        <p:nvSpPr>
+          <p:cNvPr id="23" name="Rectángulo 22">
+            <a:extLst>
+              <a:ext uri="{FF2B5EF4-FFF2-40B4-BE49-F238E27FC236}">
+                <a16:creationId xmlns:a16="http://schemas.microsoft.com/office/drawing/2014/main" id="{7A0C1A95-193B-4D31-9A05-59474C294AB9}"/>
+              </a:ext>
+            </a:extLst>
+          </p:cNvPr>
+          <p:cNvSpPr/>
+          <p:nvPr/>
+        </p:nvSpPr>
+        <p:spPr>
+          <a:xfrm>
+            <a:off x="3148646" y="2268061"/>
+            <a:ext cx="7530861" cy="410136"/>
+          </a:xfrm>
+          <a:prstGeom prst="rect">
+            <a:avLst/>
+          </a:prstGeom>
+          <a:solidFill>
+            <a:schemeClr val="bg1">
+              <a:lumMod val="95000"/>
+            </a:schemeClr>
+          </a:solidFill>
+          <a:ln w="19050">
+            <a:solidFill>
+              <a:schemeClr val="tx2"/>
+            </a:solidFill>
+          </a:ln>
+        </p:spPr>
+        <p:style>
+          <a:lnRef idx="1">
+            <a:schemeClr val="accent3"/>
+          </a:lnRef>
+          <a:fillRef idx="2">
+            <a:schemeClr val="accent3"/>
+          </a:fillRef>
+          <a:effectRef idx="1">
+            <a:schemeClr val="accent3"/>
+          </a:effectRef>
+          <a:fontRef idx="minor">
+            <a:schemeClr val="dk1"/>
+          </a:fontRef>
+        </p:style>
+        <p:txBody>
+          <a:bodyPr rtlCol="0" anchor="ctr"/>
+          <a:lstStyle/>
+          <a:p>
+            <a:pPr algn="ctr"/>
+            <a:endParaRPr lang="es-PE" dirty="0"/>
+          </a:p>
+        </p:txBody>
+      </p:sp>
+      <p:sp>
+        <p:nvSpPr>
+          <p:cNvPr id="26" name="CuadroTexto 25">
+            <a:extLst>
+              <a:ext uri="{FF2B5EF4-FFF2-40B4-BE49-F238E27FC236}">
+                <a16:creationId xmlns:a16="http://schemas.microsoft.com/office/drawing/2014/main" id="{35DBA7F7-1562-4850-A5DC-934FCC358578}"/>
+              </a:ext>
+            </a:extLst>
+          </p:cNvPr>
+          <p:cNvSpPr txBox="1"/>
+          <p:nvPr/>
+        </p:nvSpPr>
+        <p:spPr>
+          <a:xfrm>
+            <a:off x="1713777" y="2788058"/>
+            <a:ext cx="695447" cy="369332"/>
+          </a:xfrm>
+          <a:prstGeom prst="rect">
+            <a:avLst/>
+          </a:prstGeom>
+          <a:noFill/>
+        </p:spPr>
+        <p:txBody>
+          <a:bodyPr wrap="none" rtlCol="0">
+            <a:spAutoFit/>
+          </a:bodyPr>
+          <a:lstStyle/>
+          <a:p>
+            <a:r>
+              <a:rPr lang="es-MX" b="1" dirty="0"/>
+              <a:t>Clave</a:t>
+            </a:r>
+            <a:endParaRPr lang="es-PE" b="1" dirty="0"/>
+          </a:p>
+        </p:txBody>
+      </p:sp>
+      <p:sp>
+        <p:nvSpPr>
+          <p:cNvPr id="27" name="Rectángulo 26">
+            <a:extLst>
+              <a:ext uri="{FF2B5EF4-FFF2-40B4-BE49-F238E27FC236}">
+                <a16:creationId xmlns:a16="http://schemas.microsoft.com/office/drawing/2014/main" id="{02622D80-EFF7-422A-B909-6069FA2B3082}"/>
+              </a:ext>
+            </a:extLst>
+          </p:cNvPr>
+          <p:cNvSpPr/>
+          <p:nvPr/>
+        </p:nvSpPr>
+        <p:spPr>
+          <a:xfrm>
+            <a:off x="3148646" y="2767656"/>
+            <a:ext cx="7530861" cy="410136"/>
+          </a:xfrm>
+          <a:prstGeom prst="rect">
+            <a:avLst/>
+          </a:prstGeom>
+          <a:solidFill>
+            <a:schemeClr val="bg1">
+              <a:lumMod val="95000"/>
+            </a:schemeClr>
+          </a:solidFill>
+          <a:ln w="19050">
+            <a:solidFill>
+              <a:schemeClr val="tx2"/>
+            </a:solidFill>
+          </a:ln>
+        </p:spPr>
+        <p:style>
+          <a:lnRef idx="1">
+            <a:schemeClr val="accent3"/>
+          </a:lnRef>
+          <a:fillRef idx="2">
+            <a:schemeClr val="accent3"/>
+          </a:fillRef>
+          <a:effectRef idx="1">
+            <a:schemeClr val="accent3"/>
+          </a:effectRef>
+          <a:fontRef idx="minor">
+            <a:schemeClr val="dk1"/>
+          </a:fontRef>
+        </p:style>
+        <p:txBody>
+          <a:bodyPr rtlCol="0" anchor="ctr"/>
+          <a:lstStyle/>
+          <a:p>
+            <a:pPr algn="ctr"/>
+            <a:endParaRPr lang="es-PE" dirty="0"/>
+          </a:p>
+        </p:txBody>
+      </p:sp>
+    </p:spTree>
+    <p:extLst>
+      <p:ext uri="{BB962C8B-B14F-4D97-AF65-F5344CB8AC3E}">
+        <p14:creationId xmlns:p14="http://schemas.microsoft.com/office/powerpoint/2010/main" val="1919925408"/>
+      </p:ext>
+    </p:extLst>
+  </p:cSld>
+  <p:clrMapOvr>
+    <a:masterClrMapping/>
+  </p:clrMapOvr>
+</p:sld>
+</file>
+
+<file path=ppt/slides/slide3.xml><?xml version="1.0" encoding="utf-8"?>
+<p:sld xmlns:a="http://schemas.openxmlformats.org/drawingml/2006/main" xmlns:r="http://schemas.openxmlformats.org/officeDocument/2006/relationships" xmlns:p="http://schemas.openxmlformats.org/presentationml/2006/main">
+  <p:cSld>
+    <p:spTree>
+      <p:nvGrpSpPr>
+        <p:cNvPr id="1" name=""/>
+        <p:cNvGrpSpPr/>
+        <p:nvPr/>
+      </p:nvGrpSpPr>
+      <p:grpSpPr>
+        <a:xfrm>
+          <a:off x="0" y="0"/>
+          <a:ext cx="0" cy="0"/>
+          <a:chOff x="0" y="0"/>
+          <a:chExt cx="0" cy="0"/>
+        </a:xfrm>
+      </p:grpSpPr>
+      <p:sp>
+        <p:nvSpPr>
+          <p:cNvPr id="4" name="CuadroTexto 3">
+            <a:extLst>
+              <a:ext uri="{FF2B5EF4-FFF2-40B4-BE49-F238E27FC236}">
+                <a16:creationId xmlns:a16="http://schemas.microsoft.com/office/drawing/2014/main" id="{80FE7F3C-B271-4B47-8499-9A19E50B5522}"/>
+              </a:ext>
+            </a:extLst>
+          </p:cNvPr>
+          <p:cNvSpPr txBox="1"/>
+          <p:nvPr/>
+        </p:nvSpPr>
+        <p:spPr>
+          <a:xfrm>
+            <a:off x="238125" y="161925"/>
+            <a:ext cx="3480440" cy="400110"/>
+          </a:xfrm>
+          <a:prstGeom prst="rect">
+            <a:avLst/>
+          </a:prstGeom>
+          <a:noFill/>
+        </p:spPr>
+        <p:txBody>
+          <a:bodyPr wrap="none" rtlCol="0">
+            <a:spAutoFit/>
+          </a:bodyPr>
+          <a:lstStyle/>
+          <a:p>
+            <a:r>
+              <a:rPr lang="es-MX" sz="2000" b="1" dirty="0">
+                <a:solidFill>
+                  <a:schemeClr val="tx2"/>
+                </a:solidFill>
+                <a:latin typeface="Arial" panose="020B0604020202020204" pitchFamily="34" charset="0"/>
+                <a:cs typeface="Arial" panose="020B0604020202020204" pitchFamily="34" charset="0"/>
+              </a:rPr>
+              <a:t>PROGRAMAR SECCIONES</a:t>
+            </a:r>
+            <a:endParaRPr lang="es-PE" sz="2000" b="1" dirty="0">
+              <a:solidFill>
+                <a:schemeClr val="tx2"/>
+              </a:solidFill>
+              <a:latin typeface="Arial" panose="020B0604020202020204" pitchFamily="34" charset="0"/>
+              <a:cs typeface="Arial" panose="020B0604020202020204" pitchFamily="34" charset="0"/>
+            </a:endParaRPr>
+          </a:p>
+        </p:txBody>
+      </p:sp>
+      <p:cxnSp>
+        <p:nvCxnSpPr>
+          <p:cNvPr id="6" name="Conector recto 5">
+            <a:extLst>
+              <a:ext uri="{FF2B5EF4-FFF2-40B4-BE49-F238E27FC236}">
+                <a16:creationId xmlns:a16="http://schemas.microsoft.com/office/drawing/2014/main" id="{5207D942-5CF1-4886-AF45-CD0D614E4D1F}"/>
+              </a:ext>
+            </a:extLst>
+          </p:cNvPr>
+          <p:cNvCxnSpPr/>
+          <p:nvPr/>
+        </p:nvCxnSpPr>
+        <p:spPr>
+          <a:xfrm>
+            <a:off x="120771" y="621108"/>
+            <a:ext cx="11938958" cy="0"/>
+          </a:xfrm>
+          <a:prstGeom prst="line">
+            <a:avLst/>
+          </a:prstGeom>
+        </p:spPr>
+        <p:style>
+          <a:lnRef idx="1">
+            <a:schemeClr val="accent1"/>
+          </a:lnRef>
+          <a:fillRef idx="0">
+            <a:schemeClr val="accent1"/>
+          </a:fillRef>
+          <a:effectRef idx="0">
+            <a:schemeClr val="accent1"/>
+          </a:effectRef>
+          <a:fontRef idx="minor">
+            <a:schemeClr val="tx1"/>
+          </a:fontRef>
+        </p:style>
+      </p:cxnSp>
+      <p:cxnSp>
+        <p:nvCxnSpPr>
+          <p:cNvPr id="7" name="Conector recto 6">
+            <a:extLst>
+              <a:ext uri="{FF2B5EF4-FFF2-40B4-BE49-F238E27FC236}">
+                <a16:creationId xmlns:a16="http://schemas.microsoft.com/office/drawing/2014/main" id="{2F1A3AE1-A574-4A3C-A1C2-58562322CC71}"/>
+              </a:ext>
+            </a:extLst>
+          </p:cNvPr>
+          <p:cNvCxnSpPr/>
+          <p:nvPr/>
+        </p:nvCxnSpPr>
+        <p:spPr>
+          <a:xfrm>
+            <a:off x="120771" y="1308345"/>
+            <a:ext cx="11938958" cy="0"/>
+          </a:xfrm>
+          <a:prstGeom prst="line">
+            <a:avLst/>
+          </a:prstGeom>
+        </p:spPr>
+        <p:style>
+          <a:lnRef idx="1">
+            <a:schemeClr val="accent1"/>
+          </a:lnRef>
+          <a:fillRef idx="0">
+            <a:schemeClr val="accent1"/>
+          </a:fillRef>
+          <a:effectRef idx="0">
+            <a:schemeClr val="accent1"/>
+          </a:effectRef>
+          <a:fontRef idx="minor">
+            <a:schemeClr val="tx1"/>
+          </a:fontRef>
+        </p:style>
+      </p:cxnSp>
+      <p:sp>
+        <p:nvSpPr>
+          <p:cNvPr id="8" name="CuadroTexto 7">
+            <a:extLst>
+              <a:ext uri="{FF2B5EF4-FFF2-40B4-BE49-F238E27FC236}">
+                <a16:creationId xmlns:a16="http://schemas.microsoft.com/office/drawing/2014/main" id="{072667B5-0610-499A-9042-CA3E51783042}"/>
+              </a:ext>
+            </a:extLst>
+          </p:cNvPr>
+          <p:cNvSpPr txBox="1"/>
+          <p:nvPr/>
+        </p:nvSpPr>
+        <p:spPr>
+          <a:xfrm>
+            <a:off x="1713777" y="787137"/>
+            <a:ext cx="1067921" cy="369332"/>
+          </a:xfrm>
+          <a:prstGeom prst="rect">
+            <a:avLst/>
+          </a:prstGeom>
+          <a:noFill/>
+        </p:spPr>
+        <p:txBody>
+          <a:bodyPr wrap="none" rtlCol="0">
+            <a:spAutoFit/>
+          </a:bodyPr>
+          <a:lstStyle/>
+          <a:p>
+            <a:r>
+              <a:rPr lang="es-MX" b="1" dirty="0"/>
+              <a:t>PERIODO</a:t>
+            </a:r>
+            <a:endParaRPr lang="es-PE" b="1" dirty="0"/>
+          </a:p>
+        </p:txBody>
+      </p:sp>
+      <p:sp>
+        <p:nvSpPr>
+          <p:cNvPr id="9" name="Rectángulo 8">
+            <a:extLst>
+              <a:ext uri="{FF2B5EF4-FFF2-40B4-BE49-F238E27FC236}">
+                <a16:creationId xmlns:a16="http://schemas.microsoft.com/office/drawing/2014/main" id="{40D486AB-ED2B-4817-97C5-7CB72D3E224E}"/>
+              </a:ext>
+            </a:extLst>
+          </p:cNvPr>
+          <p:cNvSpPr/>
+          <p:nvPr/>
+        </p:nvSpPr>
+        <p:spPr>
+          <a:xfrm>
+            <a:off x="2999116" y="766735"/>
+            <a:ext cx="1854679" cy="410136"/>
+          </a:xfrm>
+          <a:prstGeom prst="rect">
+            <a:avLst/>
+          </a:prstGeom>
+          <a:solidFill>
+            <a:schemeClr val="bg2"/>
+          </a:solidFill>
+        </p:spPr>
+        <p:style>
+          <a:lnRef idx="1">
+            <a:schemeClr val="accent3"/>
+          </a:lnRef>
+          <a:fillRef idx="2">
+            <a:schemeClr val="accent3"/>
+          </a:fillRef>
+          <a:effectRef idx="1">
+            <a:schemeClr val="accent3"/>
+          </a:effectRef>
+          <a:fontRef idx="minor">
+            <a:schemeClr val="dk1"/>
+          </a:fontRef>
+        </p:style>
+        <p:txBody>
+          <a:bodyPr rtlCol="0" anchor="ctr"/>
+          <a:lstStyle/>
+          <a:p>
+            <a:pPr algn="ctr"/>
+            <a:r>
+              <a:rPr lang="es-MX" dirty="0"/>
+              <a:t>2021</a:t>
+            </a:r>
+            <a:endParaRPr lang="es-PE" dirty="0"/>
+          </a:p>
+        </p:txBody>
+      </p:sp>
+      <p:sp>
+        <p:nvSpPr>
+          <p:cNvPr id="10" name="Rectángulo: esquinas redondeadas 9">
+            <a:extLst>
+              <a:ext uri="{FF2B5EF4-FFF2-40B4-BE49-F238E27FC236}">
+                <a16:creationId xmlns:a16="http://schemas.microsoft.com/office/drawing/2014/main" id="{ADC282BA-264A-45B0-AA32-3BDDB66EFEAB}"/>
+              </a:ext>
+            </a:extLst>
+          </p:cNvPr>
+          <p:cNvSpPr/>
+          <p:nvPr/>
+        </p:nvSpPr>
+        <p:spPr>
+          <a:xfrm>
+            <a:off x="5541035" y="727769"/>
+            <a:ext cx="1736785" cy="473915"/>
+          </a:xfrm>
+          <a:prstGeom prst="roundRect">
+            <a:avLst/>
+          </a:prstGeom>
+        </p:spPr>
+        <p:style>
+          <a:lnRef idx="2">
+            <a:schemeClr val="accent1">
+              <a:shade val="50000"/>
+            </a:schemeClr>
+          </a:lnRef>
+          <a:fillRef idx="1">
+            <a:schemeClr val="accent1"/>
+          </a:fillRef>
+          <a:effectRef idx="0">
+            <a:schemeClr val="accent1"/>
+          </a:effectRef>
+          <a:fontRef idx="minor">
+            <a:schemeClr val="lt1"/>
+          </a:fontRef>
+        </p:style>
+        <p:txBody>
+          <a:bodyPr rtlCol="0" anchor="ctr"/>
+          <a:lstStyle/>
+          <a:p>
+            <a:pPr algn="ctr"/>
+            <a:r>
+              <a:rPr lang="es-MX" dirty="0"/>
+              <a:t>Buscar</a:t>
+            </a:r>
+            <a:endParaRPr lang="es-PE" dirty="0"/>
+          </a:p>
+        </p:txBody>
+      </p:sp>
+      <p:sp>
+        <p:nvSpPr>
+          <p:cNvPr id="11" name="Rectángulo: esquinas redondeadas 10">
+            <a:extLst>
+              <a:ext uri="{FF2B5EF4-FFF2-40B4-BE49-F238E27FC236}">
+                <a16:creationId xmlns:a16="http://schemas.microsoft.com/office/drawing/2014/main" id="{A45E3E06-75FB-43A7-86EF-5DC758FAC376}"/>
+              </a:ext>
+            </a:extLst>
+          </p:cNvPr>
+          <p:cNvSpPr/>
+          <p:nvPr/>
+        </p:nvSpPr>
+        <p:spPr>
+          <a:xfrm>
+            <a:off x="7352582" y="741096"/>
+            <a:ext cx="1736785" cy="473915"/>
+          </a:xfrm>
+          <a:prstGeom prst="roundRect">
+            <a:avLst/>
+          </a:prstGeom>
+        </p:spPr>
+        <p:style>
+          <a:lnRef idx="2">
+            <a:schemeClr val="accent1">
+              <a:shade val="50000"/>
+            </a:schemeClr>
+          </a:lnRef>
+          <a:fillRef idx="1">
+            <a:schemeClr val="accent1"/>
+          </a:fillRef>
+          <a:effectRef idx="0">
+            <a:schemeClr val="accent1"/>
+          </a:effectRef>
+          <a:fontRef idx="minor">
+            <a:schemeClr val="lt1"/>
+          </a:fontRef>
+        </p:style>
+        <p:txBody>
+          <a:bodyPr rtlCol="0" anchor="ctr"/>
+          <a:lstStyle/>
+          <a:p>
+            <a:pPr algn="ctr"/>
+            <a:r>
+              <a:rPr lang="es-MX" dirty="0"/>
+              <a:t>Nueva</a:t>
+            </a:r>
+            <a:endParaRPr lang="es-PE" dirty="0"/>
+          </a:p>
+        </p:txBody>
+      </p:sp>
+      <p:graphicFrame>
+        <p:nvGraphicFramePr>
+          <p:cNvPr id="12" name="Tabla 12">
+            <a:extLst>
+              <a:ext uri="{FF2B5EF4-FFF2-40B4-BE49-F238E27FC236}">
+                <a16:creationId xmlns:a16="http://schemas.microsoft.com/office/drawing/2014/main" id="{1F89EA2A-BC50-43BD-BAF2-9393DB5B1306}"/>
+              </a:ext>
+            </a:extLst>
+          </p:cNvPr>
+          <p:cNvGraphicFramePr>
+            <a:graphicFrameLocks noGrp="1"/>
+          </p:cNvGraphicFramePr>
+          <p:nvPr/>
+        </p:nvGraphicFramePr>
+        <p:xfrm>
+          <a:off x="1169358" y="1995582"/>
+          <a:ext cx="9001188" cy="3337560"/>
+        </p:xfrm>
+        <a:graphic>
+          <a:graphicData uri="http://schemas.openxmlformats.org/drawingml/2006/table">
+            <a:tbl>
+              <a:tblPr firstRow="1" bandRow="1">
+                <a:tableStyleId>{5C22544A-7EE6-4342-B048-85BDC9FD1C3A}</a:tableStyleId>
+              </a:tblPr>
+              <a:tblGrid>
+                <a:gridCol w="1500198">
+                  <a:extLst>
+                    <a:ext uri="{9D8B030D-6E8A-4147-A177-3AD203B41FA5}">
+                      <a16:colId xmlns:a16="http://schemas.microsoft.com/office/drawing/2014/main" val="2240487424"/>
+                    </a:ext>
+                  </a:extLst>
+                </a:gridCol>
+                <a:gridCol w="1500198">
+                  <a:extLst>
+                    <a:ext uri="{9D8B030D-6E8A-4147-A177-3AD203B41FA5}">
+                      <a16:colId xmlns:a16="http://schemas.microsoft.com/office/drawing/2014/main" val="1860478873"/>
+                    </a:ext>
+                  </a:extLst>
+                </a:gridCol>
+                <a:gridCol w="1500198">
+                  <a:extLst>
+                    <a:ext uri="{9D8B030D-6E8A-4147-A177-3AD203B41FA5}">
+                      <a16:colId xmlns:a16="http://schemas.microsoft.com/office/drawing/2014/main" val="3230435342"/>
+                    </a:ext>
+                  </a:extLst>
+                </a:gridCol>
+                <a:gridCol w="1500198">
+                  <a:extLst>
+                    <a:ext uri="{9D8B030D-6E8A-4147-A177-3AD203B41FA5}">
+                      <a16:colId xmlns:a16="http://schemas.microsoft.com/office/drawing/2014/main" val="3583829934"/>
+                    </a:ext>
+                  </a:extLst>
+                </a:gridCol>
+                <a:gridCol w="1500198">
+                  <a:extLst>
+                    <a:ext uri="{9D8B030D-6E8A-4147-A177-3AD203B41FA5}">
+                      <a16:colId xmlns:a16="http://schemas.microsoft.com/office/drawing/2014/main" val="2424569074"/>
+                    </a:ext>
+                  </a:extLst>
+                </a:gridCol>
+                <a:gridCol w="1500198">
+                  <a:extLst>
+                    <a:ext uri="{9D8B030D-6E8A-4147-A177-3AD203B41FA5}">
+                      <a16:colId xmlns:a16="http://schemas.microsoft.com/office/drawing/2014/main" val="1077512344"/>
+                    </a:ext>
+                  </a:extLst>
+                </a:gridCol>
+              </a:tblGrid>
+              <a:tr h="370840">
+                <a:tc>
+                  <a:txBody>
+                    <a:bodyPr/>
+                    <a:lstStyle/>
+                    <a:p>
+                      <a:pPr algn="ctr"/>
+                      <a:r>
+                        <a:rPr lang="es-MX" dirty="0"/>
+                        <a:t>ID</a:t>
+                      </a:r>
+                      <a:endParaRPr lang="es-PE" dirty="0"/>
+                    </a:p>
+                  </a:txBody>
+                  <a:tcPr/>
+                </a:tc>
+                <a:tc>
+                  <a:txBody>
+                    <a:bodyPr/>
+                    <a:lstStyle/>
+                    <a:p>
+                      <a:r>
+                        <a:rPr lang="es-MX" dirty="0"/>
+                        <a:t>NOMBRE</a:t>
+                      </a:r>
+                      <a:endParaRPr lang="es-PE" dirty="0"/>
+                    </a:p>
+                  </a:txBody>
+                  <a:tcPr/>
+                </a:tc>
+                <a:tc>
+                  <a:txBody>
+                    <a:bodyPr/>
+                    <a:lstStyle/>
+                    <a:p>
+                      <a:r>
+                        <a:rPr lang="es-MX" dirty="0"/>
+                        <a:t>NIVEL</a:t>
+                      </a:r>
+                      <a:endParaRPr lang="es-PE" dirty="0"/>
+                    </a:p>
+                  </a:txBody>
+                  <a:tcPr/>
+                </a:tc>
+                <a:tc>
+                  <a:txBody>
+                    <a:bodyPr/>
+                    <a:lstStyle/>
+                    <a:p>
+                      <a:r>
+                        <a:rPr lang="es-MX" dirty="0"/>
+                        <a:t>VACANTES</a:t>
+                      </a:r>
+                      <a:endParaRPr lang="es-PE" dirty="0"/>
+                    </a:p>
+                  </a:txBody>
+                  <a:tcPr/>
+                </a:tc>
+                <a:tc>
+                  <a:txBody>
+                    <a:bodyPr/>
+                    <a:lstStyle/>
+                    <a:p>
+                      <a:pPr algn="ctr"/>
+                      <a:r>
+                        <a:rPr lang="es-MX" dirty="0"/>
+                        <a:t>Editar</a:t>
+                      </a:r>
+                      <a:endParaRPr lang="es-PE" dirty="0"/>
+                    </a:p>
+                  </a:txBody>
+                  <a:tcPr/>
+                </a:tc>
+                <a:tc>
+                  <a:txBody>
+                    <a:bodyPr/>
+                    <a:lstStyle/>
+                    <a:p>
+                      <a:pPr algn="ctr"/>
+                      <a:r>
+                        <a:rPr lang="es-MX" dirty="0"/>
+                        <a:t>Eliminar</a:t>
+                      </a:r>
+                      <a:endParaRPr lang="es-PE" dirty="0"/>
+                    </a:p>
+                  </a:txBody>
+                  <a:tcPr/>
+                </a:tc>
+                <a:extLst>
+                  <a:ext uri="{0D108BD9-81ED-4DB2-BD59-A6C34878D82A}">
+                    <a16:rowId xmlns:a16="http://schemas.microsoft.com/office/drawing/2014/main" val="1776815567"/>
+                  </a:ext>
+                </a:extLst>
+              </a:tr>
+              <a:tr h="370840">
+                <a:tc>
+                  <a:txBody>
+                    <a:bodyPr/>
+                    <a:lstStyle/>
+                    <a:p>
+                      <a:pPr algn="ctr"/>
+                      <a:r>
+                        <a:rPr lang="es-MX" dirty="0"/>
+                        <a:t>200</a:t>
+                      </a:r>
+                      <a:endParaRPr lang="es-PE" dirty="0"/>
+                    </a:p>
+                  </a:txBody>
+                  <a:tcPr/>
+                </a:tc>
+                <a:tc>
+                  <a:txBody>
+                    <a:bodyPr/>
+                    <a:lstStyle/>
+                    <a:p>
+                      <a:endParaRPr lang="es-PE"/>
+                    </a:p>
+                  </a:txBody>
+                  <a:tcPr/>
+                </a:tc>
+                <a:tc>
+                  <a:txBody>
+                    <a:bodyPr/>
+                    <a:lstStyle/>
+                    <a:p>
+                      <a:endParaRPr lang="es-PE"/>
+                    </a:p>
+                  </a:txBody>
+                  <a:tcPr/>
+                </a:tc>
+                <a:tc>
+                  <a:txBody>
+                    <a:bodyPr/>
+                    <a:lstStyle/>
+                    <a:p>
+                      <a:pPr algn="ctr"/>
+                      <a:endParaRPr lang="es-PE" dirty="0"/>
+                    </a:p>
+                  </a:txBody>
+                  <a:tcPr/>
+                </a:tc>
+                <a:tc>
+                  <a:txBody>
+                    <a:bodyPr/>
+                    <a:lstStyle/>
+                    <a:p>
+                      <a:pPr algn="ctr"/>
+                      <a:endParaRPr lang="es-PE" dirty="0"/>
+                    </a:p>
+                  </a:txBody>
+                  <a:tcPr/>
+                </a:tc>
+                <a:tc>
+                  <a:txBody>
+                    <a:bodyPr/>
+                    <a:lstStyle/>
+                    <a:p>
+                      <a:pPr algn="ctr"/>
+                      <a:endParaRPr lang="es-PE" dirty="0"/>
+                    </a:p>
+                  </a:txBody>
+                  <a:tcPr/>
+                </a:tc>
+                <a:extLst>
+                  <a:ext uri="{0D108BD9-81ED-4DB2-BD59-A6C34878D82A}">
+                    <a16:rowId xmlns:a16="http://schemas.microsoft.com/office/drawing/2014/main" val="3493483487"/>
+                  </a:ext>
+                </a:extLst>
+              </a:tr>
+              <a:tr h="370840">
+                <a:tc>
+                  <a:txBody>
+                    <a:bodyPr/>
+                    <a:lstStyle/>
+                    <a:p>
+                      <a:pPr algn="ctr"/>
+                      <a:r>
+                        <a:rPr lang="es-MX" dirty="0"/>
+                        <a:t>201</a:t>
+                      </a:r>
+                      <a:endParaRPr lang="es-PE" dirty="0"/>
+                    </a:p>
+                  </a:txBody>
+                  <a:tcPr/>
+                </a:tc>
+                <a:tc>
+                  <a:txBody>
+                    <a:bodyPr/>
+                    <a:lstStyle/>
+                    <a:p>
+                      <a:endParaRPr lang="es-PE"/>
+                    </a:p>
+                  </a:txBody>
+                  <a:tcPr/>
+                </a:tc>
+                <a:tc>
+                  <a:txBody>
+                    <a:bodyPr/>
+                    <a:lstStyle/>
+                    <a:p>
+                      <a:endParaRPr lang="es-PE"/>
+                    </a:p>
+                  </a:txBody>
+                  <a:tcPr/>
+                </a:tc>
+                <a:tc>
+                  <a:txBody>
+                    <a:bodyPr/>
+                    <a:lstStyle/>
+                    <a:p>
+                      <a:pPr algn="ctr"/>
+                      <a:r>
+                        <a:rPr lang="es-MX" dirty="0"/>
+                        <a:t>20</a:t>
+                      </a:r>
+                      <a:endParaRPr lang="es-PE" dirty="0"/>
+                    </a:p>
+                  </a:txBody>
+                  <a:tcPr/>
+                </a:tc>
+                <a:tc>
+                  <a:txBody>
+                    <a:bodyPr/>
+                    <a:lstStyle/>
+                    <a:p>
+                      <a:pPr algn="ctr"/>
+                      <a:endParaRPr lang="es-PE" dirty="0"/>
+                    </a:p>
+                  </a:txBody>
+                  <a:tcPr/>
+                </a:tc>
+                <a:tc>
+                  <a:txBody>
+                    <a:bodyPr/>
+                    <a:lstStyle/>
+                    <a:p>
+                      <a:pPr algn="ctr"/>
+                      <a:endParaRPr lang="es-PE" dirty="0"/>
+                    </a:p>
+                  </a:txBody>
+                  <a:tcPr/>
+                </a:tc>
+                <a:extLst>
+                  <a:ext uri="{0D108BD9-81ED-4DB2-BD59-A6C34878D82A}">
+                    <a16:rowId xmlns:a16="http://schemas.microsoft.com/office/drawing/2014/main" val="1221647604"/>
+                  </a:ext>
+                </a:extLst>
+              </a:tr>
+              <a:tr h="370840">
+                <a:tc>
+                  <a:txBody>
+                    <a:bodyPr/>
+                    <a:lstStyle/>
+                    <a:p>
+                      <a:pPr algn="ctr"/>
+                      <a:r>
+                        <a:rPr lang="es-MX" dirty="0"/>
+                        <a:t>202</a:t>
+                      </a:r>
+                      <a:endParaRPr lang="es-PE" dirty="0"/>
+                    </a:p>
+                  </a:txBody>
+                  <a:tcPr/>
+                </a:tc>
+                <a:tc>
+                  <a:txBody>
+                    <a:bodyPr/>
+                    <a:lstStyle/>
+                    <a:p>
+                      <a:endParaRPr lang="es-PE" dirty="0"/>
+                    </a:p>
+                  </a:txBody>
+                  <a:tcPr/>
+                </a:tc>
+                <a:tc>
+                  <a:txBody>
+                    <a:bodyPr/>
+                    <a:lstStyle/>
+                    <a:p>
+                      <a:endParaRPr lang="es-PE"/>
+                    </a:p>
+                  </a:txBody>
+                  <a:tcPr/>
+                </a:tc>
+                <a:tc>
+                  <a:txBody>
+                    <a:bodyPr/>
+                    <a:lstStyle/>
+                    <a:p>
+                      <a:pPr algn="ctr"/>
+                      <a:endParaRPr lang="es-PE" dirty="0"/>
+                    </a:p>
+                  </a:txBody>
+                  <a:tcPr/>
+                </a:tc>
+                <a:tc>
+                  <a:txBody>
+                    <a:bodyPr/>
+                    <a:lstStyle/>
+                    <a:p>
+                      <a:pPr algn="ctr"/>
+                      <a:endParaRPr lang="es-PE" dirty="0"/>
+                    </a:p>
+                  </a:txBody>
+                  <a:tcPr/>
+                </a:tc>
+                <a:tc>
+                  <a:txBody>
+                    <a:bodyPr/>
+                    <a:lstStyle/>
+                    <a:p>
+                      <a:pPr algn="ctr"/>
+                      <a:endParaRPr lang="es-PE" dirty="0"/>
+                    </a:p>
+                  </a:txBody>
+                  <a:tcPr/>
+                </a:tc>
+                <a:extLst>
+                  <a:ext uri="{0D108BD9-81ED-4DB2-BD59-A6C34878D82A}">
+                    <a16:rowId xmlns:a16="http://schemas.microsoft.com/office/drawing/2014/main" val="1989269078"/>
+                  </a:ext>
+                </a:extLst>
+              </a:tr>
+              <a:tr h="370840">
+                <a:tc>
+                  <a:txBody>
+                    <a:bodyPr/>
+                    <a:lstStyle/>
+                    <a:p>
+                      <a:pPr algn="ctr"/>
+                      <a:r>
+                        <a:rPr lang="es-MX" dirty="0"/>
+                        <a:t>203</a:t>
+                      </a:r>
+                      <a:endParaRPr lang="es-PE" dirty="0"/>
+                    </a:p>
+                  </a:txBody>
+                  <a:tcPr/>
+                </a:tc>
+                <a:tc>
+                  <a:txBody>
+                    <a:bodyPr/>
+                    <a:lstStyle/>
+                    <a:p>
+                      <a:endParaRPr lang="es-PE"/>
+                    </a:p>
+                  </a:txBody>
+                  <a:tcPr/>
+                </a:tc>
+                <a:tc>
+                  <a:txBody>
+                    <a:bodyPr/>
+                    <a:lstStyle/>
+                    <a:p>
+                      <a:endParaRPr lang="es-PE"/>
+                    </a:p>
+                  </a:txBody>
+                  <a:tcPr/>
+                </a:tc>
+                <a:tc>
+                  <a:txBody>
+                    <a:bodyPr/>
+                    <a:lstStyle/>
+                    <a:p>
+                      <a:pPr algn="ctr"/>
+                      <a:endParaRPr lang="es-PE" dirty="0"/>
+                    </a:p>
+                  </a:txBody>
+                  <a:tcPr/>
+                </a:tc>
+                <a:tc>
+                  <a:txBody>
+                    <a:bodyPr/>
+                    <a:lstStyle/>
+                    <a:p>
+                      <a:pPr algn="ctr"/>
+                      <a:endParaRPr lang="es-PE" dirty="0"/>
+                    </a:p>
+                  </a:txBody>
+                  <a:tcPr/>
+                </a:tc>
+                <a:tc>
+                  <a:txBody>
+                    <a:bodyPr/>
+                    <a:lstStyle/>
+                    <a:p>
+                      <a:pPr algn="ctr"/>
+                      <a:endParaRPr lang="es-PE" dirty="0"/>
+                    </a:p>
+                  </a:txBody>
+                  <a:tcPr/>
+                </a:tc>
+                <a:extLst>
+                  <a:ext uri="{0D108BD9-81ED-4DB2-BD59-A6C34878D82A}">
+                    <a16:rowId xmlns:a16="http://schemas.microsoft.com/office/drawing/2014/main" val="1644304677"/>
+                  </a:ext>
+                </a:extLst>
+              </a:tr>
+              <a:tr h="370840">
+                <a:tc>
+                  <a:txBody>
+                    <a:bodyPr/>
+                    <a:lstStyle/>
+                    <a:p>
+                      <a:pPr algn="ctr"/>
+                      <a:r>
+                        <a:rPr lang="es-MX" dirty="0"/>
+                        <a:t>204</a:t>
+                      </a:r>
+                      <a:endParaRPr lang="es-PE" dirty="0"/>
+                    </a:p>
+                  </a:txBody>
+                  <a:tcPr/>
+                </a:tc>
+                <a:tc>
+                  <a:txBody>
+                    <a:bodyPr/>
+                    <a:lstStyle/>
+                    <a:p>
+                      <a:endParaRPr lang="es-PE"/>
+                    </a:p>
+                  </a:txBody>
+                  <a:tcPr/>
+                </a:tc>
+                <a:tc>
+                  <a:txBody>
+                    <a:bodyPr/>
+                    <a:lstStyle/>
+                    <a:p>
+                      <a:endParaRPr lang="es-PE"/>
+                    </a:p>
+                  </a:txBody>
+                  <a:tcPr/>
+                </a:tc>
+                <a:tc>
+                  <a:txBody>
+                    <a:bodyPr/>
+                    <a:lstStyle/>
+                    <a:p>
+                      <a:pPr algn="ctr"/>
+                      <a:endParaRPr lang="es-PE" dirty="0"/>
+                    </a:p>
+                  </a:txBody>
+                  <a:tcPr/>
+                </a:tc>
+                <a:tc>
+                  <a:txBody>
+                    <a:bodyPr/>
+                    <a:lstStyle/>
+                    <a:p>
+                      <a:pPr algn="ctr"/>
+                      <a:endParaRPr lang="es-PE" dirty="0"/>
+                    </a:p>
+                  </a:txBody>
+                  <a:tcPr/>
+                </a:tc>
+                <a:tc>
+                  <a:txBody>
+                    <a:bodyPr/>
+                    <a:lstStyle/>
+                    <a:p>
+                      <a:pPr algn="ctr"/>
+                      <a:endParaRPr lang="es-PE" dirty="0"/>
+                    </a:p>
+                  </a:txBody>
+                  <a:tcPr/>
+                </a:tc>
+                <a:extLst>
+                  <a:ext uri="{0D108BD9-81ED-4DB2-BD59-A6C34878D82A}">
+                    <a16:rowId xmlns:a16="http://schemas.microsoft.com/office/drawing/2014/main" val="370568142"/>
+                  </a:ext>
+                </a:extLst>
+              </a:tr>
+              <a:tr h="370840">
+                <a:tc>
+                  <a:txBody>
+                    <a:bodyPr/>
+                    <a:lstStyle/>
+                    <a:p>
+                      <a:pPr algn="ctr"/>
+                      <a:r>
+                        <a:rPr lang="es-MX" dirty="0"/>
+                        <a:t>205</a:t>
+                      </a:r>
+                      <a:endParaRPr lang="es-PE" dirty="0"/>
+                    </a:p>
+                  </a:txBody>
+                  <a:tcPr/>
+                </a:tc>
+                <a:tc>
+                  <a:txBody>
+                    <a:bodyPr/>
+                    <a:lstStyle/>
+                    <a:p>
+                      <a:endParaRPr lang="es-PE"/>
+                    </a:p>
+                  </a:txBody>
+                  <a:tcPr/>
+                </a:tc>
+                <a:tc>
+                  <a:txBody>
+                    <a:bodyPr/>
+                    <a:lstStyle/>
+                    <a:p>
+                      <a:endParaRPr lang="es-PE"/>
+                    </a:p>
+                  </a:txBody>
+                  <a:tcPr/>
+                </a:tc>
+                <a:tc>
+                  <a:txBody>
+                    <a:bodyPr/>
+                    <a:lstStyle/>
+                    <a:p>
+                      <a:pPr algn="ctr"/>
+                      <a:endParaRPr lang="es-PE" dirty="0"/>
+                    </a:p>
+                  </a:txBody>
+                  <a:tcPr/>
+                </a:tc>
+                <a:tc>
+                  <a:txBody>
+                    <a:bodyPr/>
+                    <a:lstStyle/>
+                    <a:p>
+                      <a:pPr algn="ctr"/>
+                      <a:endParaRPr lang="es-PE" dirty="0"/>
+                    </a:p>
+                  </a:txBody>
+                  <a:tcPr/>
+                </a:tc>
+                <a:tc>
+                  <a:txBody>
+                    <a:bodyPr/>
+                    <a:lstStyle/>
+                    <a:p>
+                      <a:pPr algn="ctr"/>
+                      <a:endParaRPr lang="es-PE" dirty="0"/>
+                    </a:p>
+                  </a:txBody>
+                  <a:tcPr/>
+                </a:tc>
+                <a:extLst>
+                  <a:ext uri="{0D108BD9-81ED-4DB2-BD59-A6C34878D82A}">
+                    <a16:rowId xmlns:a16="http://schemas.microsoft.com/office/drawing/2014/main" val="1769094235"/>
+                  </a:ext>
+                </a:extLst>
+              </a:tr>
+              <a:tr h="370840">
+                <a:tc>
+                  <a:txBody>
+                    <a:bodyPr/>
+                    <a:lstStyle/>
+                    <a:p>
+                      <a:pPr algn="ctr"/>
+                      <a:r>
+                        <a:rPr lang="es-MX" dirty="0"/>
+                        <a:t>206</a:t>
+                      </a:r>
+                      <a:endParaRPr lang="es-PE" dirty="0"/>
+                    </a:p>
+                  </a:txBody>
+                  <a:tcPr/>
+                </a:tc>
+                <a:tc>
+                  <a:txBody>
+                    <a:bodyPr/>
+                    <a:lstStyle/>
+                    <a:p>
+                      <a:endParaRPr lang="es-PE"/>
+                    </a:p>
+                  </a:txBody>
+                  <a:tcPr/>
+                </a:tc>
+                <a:tc>
+                  <a:txBody>
+                    <a:bodyPr/>
+                    <a:lstStyle/>
+                    <a:p>
+                      <a:endParaRPr lang="es-PE"/>
+                    </a:p>
+                  </a:txBody>
+                  <a:tcPr/>
+                </a:tc>
+                <a:tc>
+                  <a:txBody>
+                    <a:bodyPr/>
+                    <a:lstStyle/>
+                    <a:p>
+                      <a:pPr algn="ctr"/>
+                      <a:endParaRPr lang="es-PE" dirty="0"/>
+                    </a:p>
+                  </a:txBody>
+                  <a:tcPr/>
+                </a:tc>
+                <a:tc>
+                  <a:txBody>
+                    <a:bodyPr/>
+                    <a:lstStyle/>
+                    <a:p>
+                      <a:pPr algn="ctr"/>
+                      <a:endParaRPr lang="es-PE" dirty="0"/>
+                    </a:p>
+                  </a:txBody>
+                  <a:tcPr/>
+                </a:tc>
+                <a:tc>
+                  <a:txBody>
+                    <a:bodyPr/>
+                    <a:lstStyle/>
+                    <a:p>
+                      <a:pPr algn="ctr"/>
+                      <a:endParaRPr lang="es-PE" dirty="0"/>
+                    </a:p>
+                  </a:txBody>
+                  <a:tcPr/>
+                </a:tc>
+                <a:extLst>
+                  <a:ext uri="{0D108BD9-81ED-4DB2-BD59-A6C34878D82A}">
+                    <a16:rowId xmlns:a16="http://schemas.microsoft.com/office/drawing/2014/main" val="3922607740"/>
+                  </a:ext>
+                </a:extLst>
+              </a:tr>
+              <a:tr h="370840">
+                <a:tc>
+                  <a:txBody>
+                    <a:bodyPr/>
+                    <a:lstStyle/>
+                    <a:p>
+                      <a:pPr algn="ctr"/>
+                      <a:r>
+                        <a:rPr lang="es-MX" dirty="0"/>
+                        <a:t>205</a:t>
+                      </a:r>
+                      <a:endParaRPr lang="es-PE" dirty="0"/>
+                    </a:p>
+                  </a:txBody>
+                  <a:tcPr/>
+                </a:tc>
+                <a:tc>
+                  <a:txBody>
+                    <a:bodyPr/>
+                    <a:lstStyle/>
+                    <a:p>
+                      <a:endParaRPr lang="es-PE"/>
+                    </a:p>
+                  </a:txBody>
+                  <a:tcPr/>
+                </a:tc>
+                <a:tc>
+                  <a:txBody>
+                    <a:bodyPr/>
+                    <a:lstStyle/>
+                    <a:p>
+                      <a:endParaRPr lang="es-PE"/>
+                    </a:p>
+                  </a:txBody>
+                  <a:tcPr/>
+                </a:tc>
+                <a:tc>
+                  <a:txBody>
+                    <a:bodyPr/>
+                    <a:lstStyle/>
+                    <a:p>
+                      <a:pPr algn="ctr"/>
+                      <a:endParaRPr lang="es-PE" dirty="0"/>
+                    </a:p>
+                  </a:txBody>
+                  <a:tcPr/>
+                </a:tc>
+                <a:tc>
+                  <a:txBody>
+                    <a:bodyPr/>
+                    <a:lstStyle/>
+                    <a:p>
+                      <a:pPr algn="ctr"/>
+                      <a:endParaRPr lang="es-PE" dirty="0"/>
+                    </a:p>
+                  </a:txBody>
+                  <a:tcPr/>
+                </a:tc>
+                <a:tc>
+                  <a:txBody>
+                    <a:bodyPr/>
+                    <a:lstStyle/>
+                    <a:p>
+                      <a:pPr algn="ctr"/>
+                      <a:endParaRPr lang="es-PE" dirty="0"/>
+                    </a:p>
+                  </a:txBody>
+                  <a:tcPr/>
+                </a:tc>
+                <a:extLst>
+                  <a:ext uri="{0D108BD9-81ED-4DB2-BD59-A6C34878D82A}">
+                    <a16:rowId xmlns:a16="http://schemas.microsoft.com/office/drawing/2014/main" val="2994970723"/>
+                  </a:ext>
+                </a:extLst>
+              </a:tr>
+            </a:tbl>
+          </a:graphicData>
+        </a:graphic>
+      </p:graphicFrame>
+    </p:spTree>
+    <p:extLst>
+      <p:ext uri="{BB962C8B-B14F-4D97-AF65-F5344CB8AC3E}">
+        <p14:creationId xmlns:p14="http://schemas.microsoft.com/office/powerpoint/2010/main" val="3237528493"/>
+      </p:ext>
+    </p:extLst>
+  </p:cSld>
+  <p:clrMapOvr>
+    <a:masterClrMapping/>
+  </p:clrMapOvr>
+</p:sld>
+</file>
+
 <file path=ppt/theme/theme1.xml><?xml version="1.0" encoding="utf-8"?>
 <a:theme xmlns:a="http://schemas.openxmlformats.org/drawingml/2006/main" name="Tema de Office">
   <a:themeElements>
